--- a/Banker's algorithm presentation/Banker's Algorithm.pptx
+++ b/Banker's algorithm presentation/Banker's Algorithm.pptx
@@ -314,7 +314,7 @@
           <a:p>
             <a:fld id="{FE4D0C36-8180-42CD-893F-B9EFCAE05C40}" type="datetimeFigureOut">
               <a:rPr lang="en-US" smtClean="0"/>
-              <a:t>13-Nov-17</a:t>
+              <a:t>20-Dec-17</a:t>
             </a:fld>
             <a:endParaRPr lang="en-US"/>
           </a:p>
@@ -652,7 +652,7 @@
           <a:p>
             <a:fld id="{FE4D0C36-8180-42CD-893F-B9EFCAE05C40}" type="datetimeFigureOut">
               <a:rPr lang="en-US" smtClean="0"/>
-              <a:t>13-Nov-17</a:t>
+              <a:t>20-Dec-17</a:t>
             </a:fld>
             <a:endParaRPr lang="en-US"/>
           </a:p>
@@ -1053,7 +1053,7 @@
           <a:p>
             <a:fld id="{FE4D0C36-8180-42CD-893F-B9EFCAE05C40}" type="datetimeFigureOut">
               <a:rPr lang="en-US" smtClean="0"/>
-              <a:t>13-Nov-17</a:t>
+              <a:t>20-Dec-17</a:t>
             </a:fld>
             <a:endParaRPr lang="en-US"/>
           </a:p>
@@ -1389,7 +1389,7 @@
           <a:p>
             <a:fld id="{FE4D0C36-8180-42CD-893F-B9EFCAE05C40}" type="datetimeFigureOut">
               <a:rPr lang="en-US" smtClean="0"/>
-              <a:t>13-Nov-17</a:t>
+              <a:t>20-Dec-17</a:t>
             </a:fld>
             <a:endParaRPr lang="en-US"/>
           </a:p>
@@ -1709,7 +1709,7 @@
           <a:p>
             <a:fld id="{FE4D0C36-8180-42CD-893F-B9EFCAE05C40}" type="datetimeFigureOut">
               <a:rPr lang="en-US" smtClean="0"/>
-              <a:t>13-Nov-17</a:t>
+              <a:t>20-Dec-17</a:t>
             </a:fld>
             <a:endParaRPr lang="en-US"/>
           </a:p>
@@ -2105,7 +2105,7 @@
           <a:p>
             <a:fld id="{FE4D0C36-8180-42CD-893F-B9EFCAE05C40}" type="datetimeFigureOut">
               <a:rPr lang="en-US" smtClean="0"/>
-              <a:t>13-Nov-17</a:t>
+              <a:t>20-Dec-17</a:t>
             </a:fld>
             <a:endParaRPr lang="en-US"/>
           </a:p>
@@ -2362,7 +2362,7 @@
           <a:p>
             <a:fld id="{FE4D0C36-8180-42CD-893F-B9EFCAE05C40}" type="datetimeFigureOut">
               <a:rPr lang="en-US" smtClean="0"/>
-              <a:t>13-Nov-17</a:t>
+              <a:t>20-Dec-17</a:t>
             </a:fld>
             <a:endParaRPr lang="en-US"/>
           </a:p>
@@ -2624,7 +2624,7 @@
           <a:p>
             <a:fld id="{FE4D0C36-8180-42CD-893F-B9EFCAE05C40}" type="datetimeFigureOut">
               <a:rPr lang="en-US" smtClean="0"/>
-              <a:t>13-Nov-17</a:t>
+              <a:t>20-Dec-17</a:t>
             </a:fld>
             <a:endParaRPr lang="en-US"/>
           </a:p>
@@ -2886,7 +2886,7 @@
           <a:p>
             <a:fld id="{FE4D0C36-8180-42CD-893F-B9EFCAE05C40}" type="datetimeFigureOut">
               <a:rPr lang="en-US" smtClean="0"/>
-              <a:t>13-Nov-17</a:t>
+              <a:t>20-Dec-17</a:t>
             </a:fld>
             <a:endParaRPr lang="en-US"/>
           </a:p>
@@ -3215,7 +3215,7 @@
           <a:p>
             <a:fld id="{FE4D0C36-8180-42CD-893F-B9EFCAE05C40}" type="datetimeFigureOut">
               <a:rPr lang="en-US" smtClean="0"/>
-              <a:t>13-Nov-17</a:t>
+              <a:t>20-Dec-17</a:t>
             </a:fld>
             <a:endParaRPr lang="en-US"/>
           </a:p>
@@ -3538,7 +3538,7 @@
           <a:p>
             <a:fld id="{FE4D0C36-8180-42CD-893F-B9EFCAE05C40}" type="datetimeFigureOut">
               <a:rPr lang="en-US" smtClean="0"/>
-              <a:t>13-Nov-17</a:t>
+              <a:t>20-Dec-17</a:t>
             </a:fld>
             <a:endParaRPr lang="en-US"/>
           </a:p>
@@ -3995,7 +3995,7 @@
           <a:p>
             <a:fld id="{FE4D0C36-8180-42CD-893F-B9EFCAE05C40}" type="datetimeFigureOut">
               <a:rPr lang="en-US" smtClean="0"/>
-              <a:t>13-Nov-17</a:t>
+              <a:t>20-Dec-17</a:t>
             </a:fld>
             <a:endParaRPr lang="en-US"/>
           </a:p>
@@ -4200,7 +4200,7 @@
           <a:p>
             <a:fld id="{FE4D0C36-8180-42CD-893F-B9EFCAE05C40}" type="datetimeFigureOut">
               <a:rPr lang="en-US" smtClean="0"/>
-              <a:t>13-Nov-17</a:t>
+              <a:t>20-Dec-17</a:t>
             </a:fld>
             <a:endParaRPr lang="en-US"/>
           </a:p>
@@ -4377,7 +4377,7 @@
           <a:p>
             <a:fld id="{FE4D0C36-8180-42CD-893F-B9EFCAE05C40}" type="datetimeFigureOut">
               <a:rPr lang="en-US" smtClean="0"/>
-              <a:t>13-Nov-17</a:t>
+              <a:t>20-Dec-17</a:t>
             </a:fld>
             <a:endParaRPr lang="en-US"/>
           </a:p>
@@ -4710,7 +4710,7 @@
           <a:p>
             <a:fld id="{FE4D0C36-8180-42CD-893F-B9EFCAE05C40}" type="datetimeFigureOut">
               <a:rPr lang="en-US" smtClean="0"/>
-              <a:t>13-Nov-17</a:t>
+              <a:t>20-Dec-17</a:t>
             </a:fld>
             <a:endParaRPr lang="en-US"/>
           </a:p>
@@ -5055,7 +5055,7 @@
           <a:p>
             <a:fld id="{FE4D0C36-8180-42CD-893F-B9EFCAE05C40}" type="datetimeFigureOut">
               <a:rPr lang="en-US" smtClean="0"/>
-              <a:t>13-Nov-17</a:t>
+              <a:t>20-Dec-17</a:t>
             </a:fld>
             <a:endParaRPr lang="en-US"/>
           </a:p>
@@ -7172,7 +7172,7 @@
           <a:p>
             <a:fld id="{FE4D0C36-8180-42CD-893F-B9EFCAE05C40}" type="datetimeFigureOut">
               <a:rPr lang="en-US" smtClean="0"/>
-              <a:t>13-Nov-17</a:t>
+              <a:t>20-Dec-17</a:t>
             </a:fld>
             <a:endParaRPr lang="en-US"/>
           </a:p>
@@ -7742,31 +7742,13 @@
         <p:spPr/>
         <p:txBody>
           <a:bodyPr>
-            <a:normAutofit fontScale="70000" lnSpcReduction="20000"/>
+            <a:normAutofit/>
           </a:bodyPr>
           <a:lstStyle/>
           <a:p>
             <a:r>
               <a:rPr lang="en-US" dirty="0"/>
-              <a:t>Group 6</a:t>
-            </a:r>
-          </a:p>
-          <a:p>
-            <a:r>
-              <a:rPr lang="en-US" dirty="0"/>
               <a:t>Mayuri Wadkar</a:t>
-            </a:r>
-          </a:p>
-          <a:p>
-            <a:r>
-              <a:rPr lang="en-US" dirty="0"/>
-              <a:t>Eric Han</a:t>
-            </a:r>
-          </a:p>
-          <a:p>
-            <a:r>
-              <a:rPr lang="en-US" dirty="0"/>
-              <a:t>Sonali Mishra</a:t>
             </a:r>
           </a:p>
         </p:txBody>
